--- a/forum2010Annai.pptx
+++ b/forum2010Annai.pptx
@@ -289,7 +289,7 @@
             <a:fld id="{AB3A7607-3C98-4BC2-8F5F-F8FBE4E28EFF}" type="datetimeFigureOut">
               <a:rPr kumimoji="1" lang="ja-JP" altLang="en-US" smtClean="0"/>
               <a:pPr/>
-              <a:t>2010/11/3</a:t>
+              <a:t>2010/11/4</a:t>
             </a:fld>
             <a:endParaRPr kumimoji="1" lang="ja-JP" altLang="en-US"/>
           </a:p>
@@ -488,7 +488,7 @@
             <a:fld id="{AB3A7607-3C98-4BC2-8F5F-F8FBE4E28EFF}" type="datetimeFigureOut">
               <a:rPr kumimoji="1" lang="ja-JP" altLang="en-US" smtClean="0"/>
               <a:pPr/>
-              <a:t>2010/11/3</a:t>
+              <a:t>2010/11/4</a:t>
             </a:fld>
             <a:endParaRPr kumimoji="1" lang="ja-JP" altLang="en-US"/>
           </a:p>
@@ -697,7 +697,7 @@
             <a:fld id="{AB3A7607-3C98-4BC2-8F5F-F8FBE4E28EFF}" type="datetimeFigureOut">
               <a:rPr kumimoji="1" lang="ja-JP" altLang="en-US" smtClean="0"/>
               <a:pPr/>
-              <a:t>2010/11/3</a:t>
+              <a:t>2010/11/4</a:t>
             </a:fld>
             <a:endParaRPr kumimoji="1" lang="ja-JP" altLang="en-US"/>
           </a:p>
@@ -896,7 +896,7 @@
             <a:fld id="{AB3A7607-3C98-4BC2-8F5F-F8FBE4E28EFF}" type="datetimeFigureOut">
               <a:rPr kumimoji="1" lang="ja-JP" altLang="en-US" smtClean="0"/>
               <a:pPr/>
-              <a:t>2010/11/3</a:t>
+              <a:t>2010/11/4</a:t>
             </a:fld>
             <a:endParaRPr kumimoji="1" lang="ja-JP" altLang="en-US"/>
           </a:p>
@@ -1139,7 +1139,7 @@
             <a:fld id="{AB3A7607-3C98-4BC2-8F5F-F8FBE4E28EFF}" type="datetimeFigureOut">
               <a:rPr kumimoji="1" lang="ja-JP" altLang="en-US" smtClean="0"/>
               <a:pPr/>
-              <a:t>2010/11/3</a:t>
+              <a:t>2010/11/4</a:t>
             </a:fld>
             <a:endParaRPr kumimoji="1" lang="ja-JP" altLang="en-US"/>
           </a:p>
@@ -1488,7 +1488,7 @@
             <a:fld id="{AB3A7607-3C98-4BC2-8F5F-F8FBE4E28EFF}" type="datetimeFigureOut">
               <a:rPr kumimoji="1" lang="ja-JP" altLang="en-US" smtClean="0"/>
               <a:pPr/>
-              <a:t>2010/11/3</a:t>
+              <a:t>2010/11/4</a:t>
             </a:fld>
             <a:endParaRPr kumimoji="1" lang="ja-JP" altLang="en-US"/>
           </a:p>
@@ -1976,7 +1976,7 @@
             <a:fld id="{AB3A7607-3C98-4BC2-8F5F-F8FBE4E28EFF}" type="datetimeFigureOut">
               <a:rPr kumimoji="1" lang="ja-JP" altLang="en-US" smtClean="0"/>
               <a:pPr/>
-              <a:t>2010/11/3</a:t>
+              <a:t>2010/11/4</a:t>
             </a:fld>
             <a:endParaRPr kumimoji="1" lang="ja-JP" altLang="en-US"/>
           </a:p>
@@ -2091,7 +2091,7 @@
             <a:fld id="{AB3A7607-3C98-4BC2-8F5F-F8FBE4E28EFF}" type="datetimeFigureOut">
               <a:rPr kumimoji="1" lang="ja-JP" altLang="en-US" smtClean="0"/>
               <a:pPr/>
-              <a:t>2010/11/3</a:t>
+              <a:t>2010/11/4</a:t>
             </a:fld>
             <a:endParaRPr kumimoji="1" lang="ja-JP" altLang="en-US"/>
           </a:p>
@@ -2183,7 +2183,7 @@
             <a:fld id="{AB3A7607-3C98-4BC2-8F5F-F8FBE4E28EFF}" type="datetimeFigureOut">
               <a:rPr kumimoji="1" lang="ja-JP" altLang="en-US" smtClean="0"/>
               <a:pPr/>
-              <a:t>2010/11/3</a:t>
+              <a:t>2010/11/4</a:t>
             </a:fld>
             <a:endParaRPr kumimoji="1" lang="ja-JP" altLang="en-US"/>
           </a:p>
@@ -2489,7 +2489,7 @@
             <a:fld id="{AB3A7607-3C98-4BC2-8F5F-F8FBE4E28EFF}" type="datetimeFigureOut">
               <a:rPr kumimoji="1" lang="ja-JP" altLang="en-US" smtClean="0"/>
               <a:pPr/>
-              <a:t>2010/11/3</a:t>
+              <a:t>2010/11/4</a:t>
             </a:fld>
             <a:endParaRPr kumimoji="1" lang="ja-JP" altLang="en-US"/>
           </a:p>
@@ -2739,7 +2739,7 @@
             <a:fld id="{AB3A7607-3C98-4BC2-8F5F-F8FBE4E28EFF}" type="datetimeFigureOut">
               <a:rPr kumimoji="1" lang="ja-JP" altLang="en-US" smtClean="0"/>
               <a:pPr/>
-              <a:t>2010/11/3</a:t>
+              <a:t>2010/11/4</a:t>
             </a:fld>
             <a:endParaRPr kumimoji="1" lang="ja-JP" altLang="en-US"/>
           </a:p>
@@ -2981,7 +2981,7 @@
             <a:fld id="{AB3A7607-3C98-4BC2-8F5F-F8FBE4E28EFF}" type="datetimeFigureOut">
               <a:rPr kumimoji="1" lang="ja-JP" altLang="en-US" smtClean="0"/>
               <a:pPr/>
-              <a:t>2010/11/3</a:t>
+              <a:t>2010/11/4</a:t>
             </a:fld>
             <a:endParaRPr kumimoji="1" lang="ja-JP" altLang="en-US"/>
           </a:p>
@@ -3354,14 +3354,14 @@
       </p:grpSpPr>
       <p:pic>
         <p:nvPicPr>
-          <p:cNvPr id="4" name="Picture 2" descr="Leaf and pumpkin background"/>
+          <p:cNvPr id="4" name="Picture 2"/>
           <p:cNvPicPr>
             <a:picLocks noChangeAspect="1" noChangeArrowheads="1"/>
           </p:cNvPicPr>
           <p:nvPr/>
         </p:nvPicPr>
         <p:blipFill>
-          <a:blip r:embed="rId2" cstate="print">
+          <a:blip r:embed="rId3" cstate="print">
             <a:duotone>
               <a:schemeClr val="bg2">
                 <a:shade val="45000"/>
@@ -3369,7 +3369,7 @@
               </a:schemeClr>
               <a:prstClr val="white"/>
             </a:duotone>
-            <a:lum contrast="10000"/>
+            <a:lum contrast="15000"/>
           </a:blip>
           <a:srcRect/>
           <a:stretch>
@@ -3378,8 +3378,8 @@
         </p:blipFill>
         <p:spPr bwMode="auto">
           <a:xfrm>
-            <a:off x="66906" y="589766"/>
-            <a:ext cx="6858000" cy="9144000"/>
+            <a:off x="66906" y="-126007"/>
+            <a:ext cx="6858000" cy="10243145"/>
           </a:xfrm>
           <a:prstGeom prst="rect">
             <a:avLst/>
@@ -4793,7 +4793,7 @@
                           <a:latin typeface="Verdana" pitchFamily="34" charset="0"/>
                           <a:ea typeface="ＭＳ Ｐゴシック" pitchFamily="50" charset="-128"/>
                         </a:rPr>
-                        <a:t>17:20</a:t>
+                        <a:t>17:10</a:t>
                       </a:r>
                       <a:endParaRPr kumimoji="1" lang="en-US" altLang="ja-JP" sz="1000" kern="1200" baseline="0" dirty="0" smtClean="0">
                         <a:solidFill>
@@ -5282,13 +5282,19 @@
               <a:rPr lang="en-US" altLang="ja-JP" sz="1000" dirty="0" smtClean="0">
                 <a:latin typeface="Verdana" pitchFamily="34" charset="0"/>
               </a:rPr>
-              <a:t>E-</a:t>
+              <a:t>E-mail:</a:t>
+            </a:r>
+            <a:r>
+              <a:rPr lang="ja-JP" altLang="en-US" sz="1000" dirty="0" smtClean="0">
+                <a:latin typeface="Verdana" pitchFamily="34" charset="0"/>
+              </a:rPr>
+              <a:t> </a:t>
             </a:r>
             <a:r>
               <a:rPr lang="en-US" altLang="ja-JP" sz="1000" dirty="0" err="1" smtClean="0">
                 <a:latin typeface="Verdana" pitchFamily="34" charset="0"/>
               </a:rPr>
-              <a:t>mail:jsik</a:t>
+              <a:t>jsik</a:t>
             </a:r>
             <a:r>
               <a:rPr lang="ja-JP" altLang="en-US" sz="1000" dirty="0" smtClean="0">
@@ -5323,7 +5329,7 @@
             <a:r>
               <a:rPr lang="en-US" altLang="ja-JP" sz="1000" dirty="0">
                 <a:latin typeface="Verdana" pitchFamily="34" charset="0"/>
-                <a:hlinkClick r:id="rId3"/>
+                <a:hlinkClick r:id="rId4"/>
               </a:rPr>
               <a:t>http://wwwsoc.nii.ac.jp/jsik/</a:t>
             </a:r>
@@ -5389,7 +5395,7 @@
             <a:r>
               <a:rPr lang="en-US" altLang="ja-JP" sz="1000" dirty="0">
                 <a:latin typeface="Verdana" pitchFamily="34" charset="0"/>
-                <a:hlinkClick r:id="rId4"/>
+                <a:hlinkClick r:id="rId5"/>
               </a:rPr>
               <a:t>http://bit.ly/JSIKForum2010</a:t>
             </a:r>
@@ -5660,7 +5666,7 @@
                   <a:prstClr val="black"/>
                 </a:solidFill>
                 <a:latin typeface="Verdana" pitchFamily="34" charset="0"/>
-                <a:hlinkClick r:id="rId5"/>
+                <a:hlinkClick r:id="rId6"/>
               </a:rPr>
               <a:t>http://www.keio.ac.jp/ja/access/mita.html</a:t>
             </a:r>
@@ -6508,7 +6514,7 @@
                         <a:buNone/>
                         <a:tabLst/>
                       </a:pPr>
-                      <a:endParaRPr kumimoji="1" lang="ja-JP" altLang="en-US" sz="1000" b="0" i="0" u="none" strike="noStrike" cap="none" normalizeH="0" baseline="0" smtClean="0">
+                      <a:endParaRPr kumimoji="1" lang="ja-JP" altLang="en-US" sz="1000" b="0" i="0" u="none" strike="noStrike" cap="none" normalizeH="0" baseline="0" dirty="0" smtClean="0">
                         <a:ln>
                           <a:noFill/>
                         </a:ln>

--- a/forum2010Annai.pptx
+++ b/forum2010Annai.pptx
@@ -289,7 +289,7 @@
             <a:fld id="{AB3A7607-3C98-4BC2-8F5F-F8FBE4E28EFF}" type="datetimeFigureOut">
               <a:rPr kumimoji="1" lang="ja-JP" altLang="en-US" smtClean="0"/>
               <a:pPr/>
-              <a:t>2010/11/4</a:t>
+              <a:t>2010/11/12</a:t>
             </a:fld>
             <a:endParaRPr kumimoji="1" lang="ja-JP" altLang="en-US"/>
           </a:p>
@@ -488,7 +488,7 @@
             <a:fld id="{AB3A7607-3C98-4BC2-8F5F-F8FBE4E28EFF}" type="datetimeFigureOut">
               <a:rPr kumimoji="1" lang="ja-JP" altLang="en-US" smtClean="0"/>
               <a:pPr/>
-              <a:t>2010/11/4</a:t>
+              <a:t>2010/11/12</a:t>
             </a:fld>
             <a:endParaRPr kumimoji="1" lang="ja-JP" altLang="en-US"/>
           </a:p>
@@ -697,7 +697,7 @@
             <a:fld id="{AB3A7607-3C98-4BC2-8F5F-F8FBE4E28EFF}" type="datetimeFigureOut">
               <a:rPr kumimoji="1" lang="ja-JP" altLang="en-US" smtClean="0"/>
               <a:pPr/>
-              <a:t>2010/11/4</a:t>
+              <a:t>2010/11/12</a:t>
             </a:fld>
             <a:endParaRPr kumimoji="1" lang="ja-JP" altLang="en-US"/>
           </a:p>
@@ -896,7 +896,7 @@
             <a:fld id="{AB3A7607-3C98-4BC2-8F5F-F8FBE4E28EFF}" type="datetimeFigureOut">
               <a:rPr kumimoji="1" lang="ja-JP" altLang="en-US" smtClean="0"/>
               <a:pPr/>
-              <a:t>2010/11/4</a:t>
+              <a:t>2010/11/12</a:t>
             </a:fld>
             <a:endParaRPr kumimoji="1" lang="ja-JP" altLang="en-US"/>
           </a:p>
@@ -1139,7 +1139,7 @@
             <a:fld id="{AB3A7607-3C98-4BC2-8F5F-F8FBE4E28EFF}" type="datetimeFigureOut">
               <a:rPr kumimoji="1" lang="ja-JP" altLang="en-US" smtClean="0"/>
               <a:pPr/>
-              <a:t>2010/11/4</a:t>
+              <a:t>2010/11/12</a:t>
             </a:fld>
             <a:endParaRPr kumimoji="1" lang="ja-JP" altLang="en-US"/>
           </a:p>
@@ -1488,7 +1488,7 @@
             <a:fld id="{AB3A7607-3C98-4BC2-8F5F-F8FBE4E28EFF}" type="datetimeFigureOut">
               <a:rPr kumimoji="1" lang="ja-JP" altLang="en-US" smtClean="0"/>
               <a:pPr/>
-              <a:t>2010/11/4</a:t>
+              <a:t>2010/11/12</a:t>
             </a:fld>
             <a:endParaRPr kumimoji="1" lang="ja-JP" altLang="en-US"/>
           </a:p>
@@ -1976,7 +1976,7 @@
             <a:fld id="{AB3A7607-3C98-4BC2-8F5F-F8FBE4E28EFF}" type="datetimeFigureOut">
               <a:rPr kumimoji="1" lang="ja-JP" altLang="en-US" smtClean="0"/>
               <a:pPr/>
-              <a:t>2010/11/4</a:t>
+              <a:t>2010/11/12</a:t>
             </a:fld>
             <a:endParaRPr kumimoji="1" lang="ja-JP" altLang="en-US"/>
           </a:p>
@@ -2091,7 +2091,7 @@
             <a:fld id="{AB3A7607-3C98-4BC2-8F5F-F8FBE4E28EFF}" type="datetimeFigureOut">
               <a:rPr kumimoji="1" lang="ja-JP" altLang="en-US" smtClean="0"/>
               <a:pPr/>
-              <a:t>2010/11/4</a:t>
+              <a:t>2010/11/12</a:t>
             </a:fld>
             <a:endParaRPr kumimoji="1" lang="ja-JP" altLang="en-US"/>
           </a:p>
@@ -2183,7 +2183,7 @@
             <a:fld id="{AB3A7607-3C98-4BC2-8F5F-F8FBE4E28EFF}" type="datetimeFigureOut">
               <a:rPr kumimoji="1" lang="ja-JP" altLang="en-US" smtClean="0"/>
               <a:pPr/>
-              <a:t>2010/11/4</a:t>
+              <a:t>2010/11/12</a:t>
             </a:fld>
             <a:endParaRPr kumimoji="1" lang="ja-JP" altLang="en-US"/>
           </a:p>
@@ -2489,7 +2489,7 @@
             <a:fld id="{AB3A7607-3C98-4BC2-8F5F-F8FBE4E28EFF}" type="datetimeFigureOut">
               <a:rPr kumimoji="1" lang="ja-JP" altLang="en-US" smtClean="0"/>
               <a:pPr/>
-              <a:t>2010/11/4</a:t>
+              <a:t>2010/11/12</a:t>
             </a:fld>
             <a:endParaRPr kumimoji="1" lang="ja-JP" altLang="en-US"/>
           </a:p>
@@ -2739,7 +2739,7 @@
             <a:fld id="{AB3A7607-3C98-4BC2-8F5F-F8FBE4E28EFF}" type="datetimeFigureOut">
               <a:rPr kumimoji="1" lang="ja-JP" altLang="en-US" smtClean="0"/>
               <a:pPr/>
-              <a:t>2010/11/4</a:t>
+              <a:t>2010/11/12</a:t>
             </a:fld>
             <a:endParaRPr kumimoji="1" lang="ja-JP" altLang="en-US"/>
           </a:p>
@@ -2981,7 +2981,7 @@
             <a:fld id="{AB3A7607-3C98-4BC2-8F5F-F8FBE4E28EFF}" type="datetimeFigureOut">
               <a:rPr kumimoji="1" lang="ja-JP" altLang="en-US" smtClean="0"/>
               <a:pPr/>
-              <a:t>2010/11/4</a:t>
+              <a:t>2010/11/12</a:t>
             </a:fld>
             <a:endParaRPr kumimoji="1" lang="ja-JP" altLang="en-US"/>
           </a:p>
@@ -4339,7 +4339,33 @@
                           <a:ea typeface="ＭＳ Ｐゴシック" pitchFamily="50" charset="-128"/>
                           <a:cs typeface="+mn-cs"/>
                         </a:rPr>
-                        <a:t>の多言語対応に向けた取組と事例報告」 </a:t>
+                        <a:t>の</a:t>
+                      </a:r>
+                      <a:r>
+                        <a:rPr kumimoji="1" lang="ja-JP" altLang="en-US" sz="1200" b="1" kern="1200" baseline="0" dirty="0" smtClean="0">
+                          <a:solidFill>
+                            <a:schemeClr val="accent3">
+                              <a:lumMod val="50000"/>
+                            </a:schemeClr>
+                          </a:solidFill>
+                          <a:latin typeface="Verdana" pitchFamily="34" charset="0"/>
+                          <a:ea typeface="ＭＳ Ｐゴシック" pitchFamily="50" charset="-128"/>
+                          <a:cs typeface="+mn-cs"/>
+                        </a:rPr>
+                        <a:t>多国語対応</a:t>
+                      </a:r>
+                      <a:r>
+                        <a:rPr kumimoji="1" lang="ja-JP" altLang="en-US" sz="1200" b="1" kern="1200" baseline="0" dirty="0" smtClean="0">
+                          <a:solidFill>
+                            <a:schemeClr val="accent3">
+                              <a:lumMod val="50000"/>
+                            </a:schemeClr>
+                          </a:solidFill>
+                          <a:latin typeface="Verdana" pitchFamily="34" charset="0"/>
+                          <a:ea typeface="ＭＳ Ｐゴシック" pitchFamily="50" charset="-128"/>
+                          <a:cs typeface="+mn-cs"/>
+                        </a:rPr>
+                        <a:t>に向けた取組と事例報告」 </a:t>
                       </a:r>
                       <a:r>
                         <a:rPr kumimoji="1" lang="en-US" altLang="ja-JP" sz="1200" b="1" kern="1200" baseline="0" dirty="0" smtClean="0">

--- a/forum2010Annai.pptx
+++ b/forum2010Annai.pptx
@@ -289,7 +289,7 @@
             <a:fld id="{AB3A7607-3C98-4BC2-8F5F-F8FBE4E28EFF}" type="datetimeFigureOut">
               <a:rPr kumimoji="1" lang="ja-JP" altLang="en-US" smtClean="0"/>
               <a:pPr/>
-              <a:t>2010/11/12</a:t>
+              <a:t>2010/11/19</a:t>
             </a:fld>
             <a:endParaRPr kumimoji="1" lang="ja-JP" altLang="en-US"/>
           </a:p>
@@ -488,7 +488,7 @@
             <a:fld id="{AB3A7607-3C98-4BC2-8F5F-F8FBE4E28EFF}" type="datetimeFigureOut">
               <a:rPr kumimoji="1" lang="ja-JP" altLang="en-US" smtClean="0"/>
               <a:pPr/>
-              <a:t>2010/11/12</a:t>
+              <a:t>2010/11/19</a:t>
             </a:fld>
             <a:endParaRPr kumimoji="1" lang="ja-JP" altLang="en-US"/>
           </a:p>
@@ -697,7 +697,7 @@
             <a:fld id="{AB3A7607-3C98-4BC2-8F5F-F8FBE4E28EFF}" type="datetimeFigureOut">
               <a:rPr kumimoji="1" lang="ja-JP" altLang="en-US" smtClean="0"/>
               <a:pPr/>
-              <a:t>2010/11/12</a:t>
+              <a:t>2010/11/19</a:t>
             </a:fld>
             <a:endParaRPr kumimoji="1" lang="ja-JP" altLang="en-US"/>
           </a:p>
@@ -896,7 +896,7 @@
             <a:fld id="{AB3A7607-3C98-4BC2-8F5F-F8FBE4E28EFF}" type="datetimeFigureOut">
               <a:rPr kumimoji="1" lang="ja-JP" altLang="en-US" smtClean="0"/>
               <a:pPr/>
-              <a:t>2010/11/12</a:t>
+              <a:t>2010/11/19</a:t>
             </a:fld>
             <a:endParaRPr kumimoji="1" lang="ja-JP" altLang="en-US"/>
           </a:p>
@@ -1139,7 +1139,7 @@
             <a:fld id="{AB3A7607-3C98-4BC2-8F5F-F8FBE4E28EFF}" type="datetimeFigureOut">
               <a:rPr kumimoji="1" lang="ja-JP" altLang="en-US" smtClean="0"/>
               <a:pPr/>
-              <a:t>2010/11/12</a:t>
+              <a:t>2010/11/19</a:t>
             </a:fld>
             <a:endParaRPr kumimoji="1" lang="ja-JP" altLang="en-US"/>
           </a:p>
@@ -1488,7 +1488,7 @@
             <a:fld id="{AB3A7607-3C98-4BC2-8F5F-F8FBE4E28EFF}" type="datetimeFigureOut">
               <a:rPr kumimoji="1" lang="ja-JP" altLang="en-US" smtClean="0"/>
               <a:pPr/>
-              <a:t>2010/11/12</a:t>
+              <a:t>2010/11/19</a:t>
             </a:fld>
             <a:endParaRPr kumimoji="1" lang="ja-JP" altLang="en-US"/>
           </a:p>
@@ -1976,7 +1976,7 @@
             <a:fld id="{AB3A7607-3C98-4BC2-8F5F-F8FBE4E28EFF}" type="datetimeFigureOut">
               <a:rPr kumimoji="1" lang="ja-JP" altLang="en-US" smtClean="0"/>
               <a:pPr/>
-              <a:t>2010/11/12</a:t>
+              <a:t>2010/11/19</a:t>
             </a:fld>
             <a:endParaRPr kumimoji="1" lang="ja-JP" altLang="en-US"/>
           </a:p>
@@ -2091,7 +2091,7 @@
             <a:fld id="{AB3A7607-3C98-4BC2-8F5F-F8FBE4E28EFF}" type="datetimeFigureOut">
               <a:rPr kumimoji="1" lang="ja-JP" altLang="en-US" smtClean="0"/>
               <a:pPr/>
-              <a:t>2010/11/12</a:t>
+              <a:t>2010/11/19</a:t>
             </a:fld>
             <a:endParaRPr kumimoji="1" lang="ja-JP" altLang="en-US"/>
           </a:p>
@@ -2183,7 +2183,7 @@
             <a:fld id="{AB3A7607-3C98-4BC2-8F5F-F8FBE4E28EFF}" type="datetimeFigureOut">
               <a:rPr kumimoji="1" lang="ja-JP" altLang="en-US" smtClean="0"/>
               <a:pPr/>
-              <a:t>2010/11/12</a:t>
+              <a:t>2010/11/19</a:t>
             </a:fld>
             <a:endParaRPr kumimoji="1" lang="ja-JP" altLang="en-US"/>
           </a:p>
@@ -2489,7 +2489,7 @@
             <a:fld id="{AB3A7607-3C98-4BC2-8F5F-F8FBE4E28EFF}" type="datetimeFigureOut">
               <a:rPr kumimoji="1" lang="ja-JP" altLang="en-US" smtClean="0"/>
               <a:pPr/>
-              <a:t>2010/11/12</a:t>
+              <a:t>2010/11/19</a:t>
             </a:fld>
             <a:endParaRPr kumimoji="1" lang="ja-JP" altLang="en-US"/>
           </a:p>
@@ -2739,7 +2739,7 @@
             <a:fld id="{AB3A7607-3C98-4BC2-8F5F-F8FBE4E28EFF}" type="datetimeFigureOut">
               <a:rPr kumimoji="1" lang="ja-JP" altLang="en-US" smtClean="0"/>
               <a:pPr/>
-              <a:t>2010/11/12</a:t>
+              <a:t>2010/11/19</a:t>
             </a:fld>
             <a:endParaRPr kumimoji="1" lang="ja-JP" altLang="en-US"/>
           </a:p>
@@ -2981,7 +2981,7 @@
             <a:fld id="{AB3A7607-3C98-4BC2-8F5F-F8FBE4E28EFF}" type="datetimeFigureOut">
               <a:rPr kumimoji="1" lang="ja-JP" altLang="en-US" smtClean="0"/>
               <a:pPr/>
-              <a:t>2010/11/12</a:t>
+              <a:t>2010/11/19</a:t>
             </a:fld>
             <a:endParaRPr kumimoji="1" lang="ja-JP" altLang="en-US"/>
           </a:p>
@@ -3646,7 +3646,7 @@
         </p:nvGraphicFramePr>
         <p:xfrm>
           <a:off x="386311" y="3085317"/>
-          <a:ext cx="6219191" cy="3550920"/>
+          <a:ext cx="6219191" cy="3811172"/>
         </p:xfrm>
         <a:graphic>
           <a:graphicData uri="http://schemas.openxmlformats.org/drawingml/2006/table">
@@ -4339,33 +4339,7 @@
                           <a:ea typeface="ＭＳ Ｐゴシック" pitchFamily="50" charset="-128"/>
                           <a:cs typeface="+mn-cs"/>
                         </a:rPr>
-                        <a:t>の</a:t>
-                      </a:r>
-                      <a:r>
-                        <a:rPr kumimoji="1" lang="ja-JP" altLang="en-US" sz="1200" b="1" kern="1200" baseline="0" dirty="0" smtClean="0">
-                          <a:solidFill>
-                            <a:schemeClr val="accent3">
-                              <a:lumMod val="50000"/>
-                            </a:schemeClr>
-                          </a:solidFill>
-                          <a:latin typeface="Verdana" pitchFamily="34" charset="0"/>
-                          <a:ea typeface="ＭＳ Ｐゴシック" pitchFamily="50" charset="-128"/>
-                          <a:cs typeface="+mn-cs"/>
-                        </a:rPr>
-                        <a:t>多国語対応</a:t>
-                      </a:r>
-                      <a:r>
-                        <a:rPr kumimoji="1" lang="ja-JP" altLang="en-US" sz="1200" b="1" kern="1200" baseline="0" dirty="0" smtClean="0">
-                          <a:solidFill>
-                            <a:schemeClr val="accent3">
-                              <a:lumMod val="50000"/>
-                            </a:schemeClr>
-                          </a:solidFill>
-                          <a:latin typeface="Verdana" pitchFamily="34" charset="0"/>
-                          <a:ea typeface="ＭＳ Ｐゴシック" pitchFamily="50" charset="-128"/>
-                          <a:cs typeface="+mn-cs"/>
-                        </a:rPr>
-                        <a:t>に向けた取組と事例報告」 </a:t>
+                        <a:t>の多国語対応に向けた取組と事例報告」 </a:t>
                       </a:r>
                       <a:r>
                         <a:rPr kumimoji="1" lang="en-US" altLang="ja-JP" sz="1200" b="1" kern="1200" baseline="0" dirty="0" smtClean="0">
@@ -4819,7 +4793,7 @@
                           <a:latin typeface="Verdana" pitchFamily="34" charset="0"/>
                           <a:ea typeface="ＭＳ Ｐゴシック" pitchFamily="50" charset="-128"/>
                         </a:rPr>
-                        <a:t>17:10</a:t>
+                        <a:t>17:10-17:15</a:t>
                       </a:r>
                       <a:endParaRPr kumimoji="1" lang="en-US" altLang="ja-JP" sz="1000" kern="1200" baseline="0" dirty="0" smtClean="0">
                         <a:solidFill>
@@ -4905,11 +4879,15 @@
                     <a:p>
                       <a:pPr marL="0" algn="l" defTabSz="914400" rtl="0" eaLnBrk="1" latinLnBrk="0" hangingPunct="1"/>
                       <a:r>
-                        <a:rPr lang="en-US" altLang="ja-JP" sz="1000" baseline="0" dirty="0" smtClean="0">
-                          <a:latin typeface="Verdana" pitchFamily="34" charset="0"/>
-                          <a:ea typeface="ＭＳ Ｐゴシック" pitchFamily="50" charset="-128"/>
-                        </a:rPr>
-                        <a:t>17:30-</a:t>
+                        <a:rPr kumimoji="1" lang="en-US" altLang="ja-JP" sz="1000" kern="1200" baseline="0" dirty="0" smtClean="0">
+                          <a:solidFill>
+                            <a:schemeClr val="tx1"/>
+                          </a:solidFill>
+                          <a:latin typeface="Verdana" pitchFamily="34" charset="0"/>
+                          <a:ea typeface="ＭＳ Ｐゴシック" pitchFamily="50" charset="-128"/>
+                          <a:cs typeface="+mn-cs"/>
+                        </a:rPr>
+                        <a:t>17:15-17:30</a:t>
                       </a:r>
                       <a:endParaRPr kumimoji="1" lang="en-US" altLang="ja-JP" sz="1000" kern="1200" baseline="0" dirty="0" smtClean="0">
                         <a:solidFill>
@@ -4934,12 +4912,106 @@
                           <a:latin typeface="Verdana" pitchFamily="34" charset="0"/>
                           <a:ea typeface="ＭＳ Ｐゴシック" pitchFamily="50" charset="-128"/>
                         </a:rPr>
-                        <a:t>懇親会</a:t>
+                        <a:t>理事会</a:t>
                       </a:r>
                       <a:endParaRPr kumimoji="1" lang="ja-JP" altLang="en-US" sz="1100" baseline="0" dirty="0">
                         <a:latin typeface="Verdana" pitchFamily="34" charset="0"/>
                         <a:ea typeface="ＭＳ Ｐゴシック" pitchFamily="50" charset="-128"/>
                       </a:endParaRPr>
+                    </a:p>
+                  </a:txBody>
+                  <a:tcPr anchor="ctr"/>
+                </a:tc>
+                <a:tc>
+                  <a:txBody>
+                    <a:bodyPr/>
+                    <a:lstStyle/>
+                    <a:p>
+                      <a:pPr marL="0" marR="0" indent="0" algn="l" defTabSz="914400" rtl="0" eaLnBrk="1" fontAlgn="auto" latinLnBrk="0" hangingPunct="1">
+                        <a:lnSpc>
+                          <a:spcPct val="100000"/>
+                        </a:lnSpc>
+                        <a:spcBef>
+                          <a:spcPts val="0"/>
+                        </a:spcBef>
+                        <a:spcAft>
+                          <a:spcPts val="0"/>
+                        </a:spcAft>
+                        <a:buClrTx/>
+                        <a:buSzTx/>
+                        <a:buFontTx/>
+                        <a:buNone/>
+                        <a:tabLst/>
+                        <a:defRPr/>
+                      </a:pPr>
+                      <a:endParaRPr kumimoji="1" lang="ja-JP" altLang="en-US" sz="1000" baseline="0" dirty="0" smtClean="0">
+                        <a:latin typeface="Verdana" pitchFamily="34" charset="0"/>
+                        <a:ea typeface="ＭＳ Ｐゴシック" pitchFamily="50" charset="-128"/>
+                      </a:endParaRPr>
+                    </a:p>
+                  </a:txBody>
+                  <a:tcPr anchor="ctr"/>
+                </a:tc>
+              </a:tr>
+              <a:tr h="260252">
+                <a:tc>
+                  <a:txBody>
+                    <a:bodyPr/>
+                    <a:lstStyle/>
+                    <a:p>
+                      <a:pPr marL="0" algn="l" defTabSz="914400" rtl="0" eaLnBrk="1" latinLnBrk="0" hangingPunct="1"/>
+                      <a:r>
+                        <a:rPr kumimoji="1" lang="en-US" altLang="ja-JP" sz="1000" kern="1200" baseline="0" dirty="0" smtClean="0">
+                          <a:solidFill>
+                            <a:schemeClr val="tx1"/>
+                          </a:solidFill>
+                          <a:latin typeface="Verdana" pitchFamily="34" charset="0"/>
+                          <a:ea typeface="ＭＳ Ｐゴシック" pitchFamily="50" charset="-128"/>
+                          <a:cs typeface="+mn-cs"/>
+                        </a:rPr>
+                        <a:t>17:40-</a:t>
+                      </a:r>
+                      <a:endParaRPr kumimoji="1" lang="en-US" altLang="ja-JP" sz="1000" kern="1200" baseline="0" dirty="0" smtClean="0">
+                        <a:solidFill>
+                          <a:schemeClr val="tx1"/>
+                        </a:solidFill>
+                        <a:latin typeface="Verdana" pitchFamily="34" charset="0"/>
+                        <a:ea typeface="ＭＳ Ｐゴシック" pitchFamily="50" charset="-128"/>
+                        <a:cs typeface="+mn-cs"/>
+                      </a:endParaRPr>
+                    </a:p>
+                  </a:txBody>
+                  <a:tcPr anchor="ctr"/>
+                </a:tc>
+                <a:tc>
+                  <a:txBody>
+                    <a:bodyPr/>
+                    <a:lstStyle/>
+                    <a:p>
+                      <a:pPr marL="0" marR="0" indent="0" algn="l" defTabSz="914400" rtl="0" eaLnBrk="1" fontAlgn="auto" latinLnBrk="0" hangingPunct="1">
+                        <a:lnSpc>
+                          <a:spcPct val="100000"/>
+                        </a:lnSpc>
+                        <a:spcBef>
+                          <a:spcPts val="0"/>
+                        </a:spcBef>
+                        <a:spcAft>
+                          <a:spcPts val="0"/>
+                        </a:spcAft>
+                        <a:buClrTx/>
+                        <a:buSzTx/>
+                        <a:buFontTx/>
+                        <a:buNone/>
+                        <a:tabLst/>
+                        <a:defRPr/>
+                      </a:pPr>
+                      <a:r>
+                        <a:rPr kumimoji="1" lang="ja-JP" altLang="en-US" sz="1100" baseline="0" dirty="0" smtClean="0">
+                          <a:latin typeface="Verdana" pitchFamily="34" charset="0"/>
+                          <a:ea typeface="ＭＳ Ｐゴシック" pitchFamily="50" charset="-128"/>
+                        </a:rPr>
+                        <a:t>懇親会</a:t>
+                      </a:r>
                     </a:p>
                   </a:txBody>
                   <a:tcPr anchor="ctr"/>
@@ -5202,7 +5274,7 @@
         </p:nvSpPr>
         <p:spPr bwMode="auto">
           <a:xfrm>
-            <a:off x="386311" y="8546142"/>
+            <a:off x="319636" y="8794274"/>
             <a:ext cx="5726112" cy="584775"/>
           </a:xfrm>
           <a:prstGeom prst="rect">
@@ -5381,7 +5453,7 @@
         </p:nvSpPr>
         <p:spPr bwMode="auto">
           <a:xfrm>
-            <a:off x="386311" y="7930589"/>
+            <a:off x="319636" y="8187432"/>
             <a:ext cx="5726112" cy="615553"/>
           </a:xfrm>
           <a:prstGeom prst="rect">
@@ -5812,7 +5884,7 @@
           <p:nvPr/>
         </p:nvGraphicFramePr>
         <p:xfrm>
-          <a:off x="386311" y="6808211"/>
+          <a:off x="348211" y="7069460"/>
           <a:ext cx="6048575" cy="1089859"/>
         </p:xfrm>
         <a:graphic>
